--- a/wps/excel/12-表格页面布局/课件.pptx
+++ b/wps/excel/12-表格页面布局/课件.pptx
@@ -3248,40 +3248,6 @@
           </a:p>
         </p:txBody>
       </p:sp>
-      <p:sp>
-        <p:nvSpPr>
-          <p:cNvPr id="4" name="文本框 3"/>
-          <p:cNvSpPr txBox="1"/>
-          <p:nvPr/>
-        </p:nvSpPr>
-        <p:spPr>
-          <a:xfrm>
-            <a:off x="1195070" y="4889500"/>
-            <a:ext cx="3041650" cy="368300"/>
-          </a:xfrm>
-          <a:prstGeom prst="rect">
-            <a:avLst/>
-          </a:prstGeom>
-          <a:noFill/>
-        </p:spPr>
-        <p:txBody>
-          <a:bodyPr wrap="none" rtlCol="0">
-            <a:spAutoFit/>
-          </a:bodyPr>
-          <a:lstStyle/>
-          <a:p>
-            <a:r>
-              <a:rPr lang="zh-CN" altLang="en-US"/>
-              <a:t>备注：案例来源于历年真题</a:t>
-            </a:r>
-            <a:r>
-              <a:rPr lang="en-US" altLang="zh-CN"/>
-              <a:t>1</a:t>
-            </a:r>
-            <a:endParaRPr lang="en-US" altLang="zh-CN"/>
-          </a:p>
-        </p:txBody>
-      </p:sp>
       <p:pic>
         <p:nvPicPr>
           <p:cNvPr id="5" name="图片 4"/>
@@ -3463,40 +3429,6 @@
           </a:p>
         </p:txBody>
       </p:sp>
-      <p:sp>
-        <p:nvSpPr>
-          <p:cNvPr id="4" name="文本框 3"/>
-          <p:cNvSpPr txBox="1"/>
-          <p:nvPr/>
-        </p:nvSpPr>
-        <p:spPr>
-          <a:xfrm>
-            <a:off x="1195070" y="4889500"/>
-            <a:ext cx="3041650" cy="368300"/>
-          </a:xfrm>
-          <a:prstGeom prst="rect">
-            <a:avLst/>
-          </a:prstGeom>
-          <a:noFill/>
-        </p:spPr>
-        <p:txBody>
-          <a:bodyPr wrap="none" rtlCol="0">
-            <a:spAutoFit/>
-          </a:bodyPr>
-          <a:lstStyle/>
-          <a:p>
-            <a:r>
-              <a:rPr lang="zh-CN" altLang="en-US"/>
-              <a:t>备注：案例来源于历年真题</a:t>
-            </a:r>
-            <a:r>
-              <a:rPr lang="en-US" altLang="zh-CN"/>
-              <a:t>8</a:t>
-            </a:r>
-            <a:endParaRPr lang="en-US" altLang="zh-CN"/>
-          </a:p>
-        </p:txBody>
-      </p:sp>
     </p:spTree>
   </p:cSld>
   <p:clrMapOvr>
@@ -3799,43 +3731,6 @@
           </a:prstGeom>
         </p:spPr>
       </p:pic>
-      <p:sp>
-        <p:nvSpPr>
-          <p:cNvPr id="5" name="文本框 4"/>
-          <p:cNvSpPr txBox="1"/>
-          <p:nvPr/>
-        </p:nvSpPr>
-        <p:spPr>
-          <a:xfrm>
-            <a:off x="1337945" y="5611495"/>
-            <a:ext cx="3041650" cy="368300"/>
-          </a:xfrm>
-          <a:prstGeom prst="rect">
-            <a:avLst/>
-          </a:prstGeom>
-          <a:noFill/>
-        </p:spPr>
-        <p:txBody>
-          <a:bodyPr wrap="none" rtlCol="0" anchor="t">
-            <a:spAutoFit/>
-          </a:bodyPr>
-          <a:p>
-            <a:r>
-              <a:rPr lang="zh-CN" altLang="en-US">
-                <a:sym typeface="+mn-ea"/>
-              </a:rPr>
-              <a:t>备注：案例来源于历年真题</a:t>
-            </a:r>
-            <a:r>
-              <a:rPr lang="en-US" altLang="zh-CN">
-                <a:sym typeface="+mn-ea"/>
-              </a:rPr>
-              <a:t>8</a:t>
-            </a:r>
-            <a:endParaRPr lang="zh-CN" altLang="en-US"/>
-          </a:p>
-        </p:txBody>
-      </p:sp>
     </p:spTree>
   </p:cSld>
   <p:clrMapOvr>
